--- a/自己建立Docker image.pptx
+++ b/自己建立Docker image.pptx
@@ -314,7 +314,7 @@
             <a:fld id="{35D71C15-0AC2-47DF-89D8-A1E5524B45E6}" type="datetimeFigureOut">
               <a:rPr lang="zh-TW" altLang="en-US" smtClean="0"/>
               <a:pPr/>
-              <a:t>2018/5/18</a:t>
+              <a:t>2021/10/28</a:t>
             </a:fld>
             <a:endParaRPr lang="zh-TW" altLang="en-US"/>
           </a:p>
@@ -481,7 +481,7 @@
             <a:fld id="{35D71C15-0AC2-47DF-89D8-A1E5524B45E6}" type="datetimeFigureOut">
               <a:rPr lang="zh-TW" altLang="en-US" smtClean="0"/>
               <a:pPr/>
-              <a:t>2018/5/18</a:t>
+              <a:t>2021/10/28</a:t>
             </a:fld>
             <a:endParaRPr lang="zh-TW" altLang="en-US"/>
           </a:p>
@@ -658,7 +658,7 @@
             <a:fld id="{35D71C15-0AC2-47DF-89D8-A1E5524B45E6}" type="datetimeFigureOut">
               <a:rPr lang="zh-TW" altLang="en-US" smtClean="0"/>
               <a:pPr/>
-              <a:t>2018/5/18</a:t>
+              <a:t>2021/10/28</a:t>
             </a:fld>
             <a:endParaRPr lang="zh-TW" altLang="en-US"/>
           </a:p>
@@ -825,7 +825,7 @@
             <a:fld id="{35D71C15-0AC2-47DF-89D8-A1E5524B45E6}" type="datetimeFigureOut">
               <a:rPr lang="zh-TW" altLang="en-US" smtClean="0"/>
               <a:pPr/>
-              <a:t>2018/5/18</a:t>
+              <a:t>2021/10/28</a:t>
             </a:fld>
             <a:endParaRPr lang="zh-TW" altLang="en-US"/>
           </a:p>
@@ -1068,7 +1068,7 @@
             <a:fld id="{35D71C15-0AC2-47DF-89D8-A1E5524B45E6}" type="datetimeFigureOut">
               <a:rPr lang="zh-TW" altLang="en-US" smtClean="0"/>
               <a:pPr/>
-              <a:t>2018/5/18</a:t>
+              <a:t>2021/10/28</a:t>
             </a:fld>
             <a:endParaRPr lang="zh-TW" altLang="en-US"/>
           </a:p>
@@ -1353,7 +1353,7 @@
             <a:fld id="{35D71C15-0AC2-47DF-89D8-A1E5524B45E6}" type="datetimeFigureOut">
               <a:rPr lang="zh-TW" altLang="en-US" smtClean="0"/>
               <a:pPr/>
-              <a:t>2018/5/18</a:t>
+              <a:t>2021/10/28</a:t>
             </a:fld>
             <a:endParaRPr lang="zh-TW" altLang="en-US"/>
           </a:p>
@@ -1772,7 +1772,7 @@
             <a:fld id="{35D71C15-0AC2-47DF-89D8-A1E5524B45E6}" type="datetimeFigureOut">
               <a:rPr lang="zh-TW" altLang="en-US" smtClean="0"/>
               <a:pPr/>
-              <a:t>2018/5/18</a:t>
+              <a:t>2021/10/28</a:t>
             </a:fld>
             <a:endParaRPr lang="zh-TW" altLang="en-US"/>
           </a:p>
@@ -1887,7 +1887,7 @@
             <a:fld id="{35D71C15-0AC2-47DF-89D8-A1E5524B45E6}" type="datetimeFigureOut">
               <a:rPr lang="zh-TW" altLang="en-US" smtClean="0"/>
               <a:pPr/>
-              <a:t>2018/5/18</a:t>
+              <a:t>2021/10/28</a:t>
             </a:fld>
             <a:endParaRPr lang="zh-TW" altLang="en-US"/>
           </a:p>
@@ -1979,7 +1979,7 @@
             <a:fld id="{35D71C15-0AC2-47DF-89D8-A1E5524B45E6}" type="datetimeFigureOut">
               <a:rPr lang="zh-TW" altLang="en-US" smtClean="0"/>
               <a:pPr/>
-              <a:t>2018/5/18</a:t>
+              <a:t>2021/10/28</a:t>
             </a:fld>
             <a:endParaRPr lang="zh-TW" altLang="en-US"/>
           </a:p>
@@ -2253,7 +2253,7 @@
             <a:fld id="{35D71C15-0AC2-47DF-89D8-A1E5524B45E6}" type="datetimeFigureOut">
               <a:rPr lang="zh-TW" altLang="en-US" smtClean="0"/>
               <a:pPr/>
-              <a:t>2018/5/18</a:t>
+              <a:t>2021/10/28</a:t>
             </a:fld>
             <a:endParaRPr lang="zh-TW" altLang="en-US"/>
           </a:p>
@@ -2503,7 +2503,7 @@
             <a:fld id="{35D71C15-0AC2-47DF-89D8-A1E5524B45E6}" type="datetimeFigureOut">
               <a:rPr lang="zh-TW" altLang="en-US" smtClean="0"/>
               <a:pPr/>
-              <a:t>2018/5/18</a:t>
+              <a:t>2021/10/28</a:t>
             </a:fld>
             <a:endParaRPr lang="zh-TW" altLang="en-US"/>
           </a:p>
@@ -2713,7 +2713,7 @@
             <a:fld id="{35D71C15-0AC2-47DF-89D8-A1E5524B45E6}" type="datetimeFigureOut">
               <a:rPr lang="zh-TW" altLang="en-US" smtClean="0"/>
               <a:pPr/>
-              <a:t>2018/5/18</a:t>
+              <a:t>2021/10/28</a:t>
             </a:fld>
             <a:endParaRPr lang="zh-TW" altLang="en-US"/>
           </a:p>
@@ -3127,15 +3127,7 @@
                 <a:ea typeface="文鼎粗鋼筆行楷" pitchFamily="49" charset="-120"/>
                 <a:cs typeface="文鼎粗鋼筆行楷" pitchFamily="49" charset="-120"/>
               </a:rPr>
-              <a:t>自己</a:t>
-            </a:r>
-            <a:r>
-              <a:rPr lang="zh-TW" altLang="en-US" sz="5400" b="1" dirty="0" smtClean="0">
-                <a:latin typeface="文鼎粗鋼筆行楷" pitchFamily="49" charset="-120"/>
-                <a:ea typeface="文鼎粗鋼筆行楷" pitchFamily="49" charset="-120"/>
-                <a:cs typeface="文鼎粗鋼筆行楷" pitchFamily="49" charset="-120"/>
-              </a:rPr>
-              <a:t>建立一個</a:t>
+              <a:t>自己建立一個</a:t>
             </a:r>
             <a:r>
               <a:rPr lang="en-US" altLang="zh-TW" sz="5400" b="1" dirty="0" smtClean="0">
@@ -3260,7 +3252,7 @@
                 <a:cs typeface="文鼎粗鋼筆行楷" pitchFamily="49" charset="-120"/>
               </a:rPr>
               <a:pPr algn="l"/>
-              <a:t>2018/5/18</a:t>
+              <a:t>2021/10/28</a:t>
             </a:fld>
             <a:endParaRPr lang="en-US" altLang="zh-TW" b="1" dirty="0" smtClean="0">
               <a:solidFill>
@@ -3478,23 +3470,7 @@
                 <a:ea typeface="文鼎粗鋼筆行楷" pitchFamily="49" charset="-120"/>
                 <a:cs typeface="文鼎粗鋼筆行楷" pitchFamily="49" charset="-120"/>
               </a:rPr>
-              <a:t> build -t</a:t>
-            </a:r>
-            <a:r>
-              <a:rPr lang="en-US" altLang="zh-TW" dirty="0" smtClean="0">
-                <a:latin typeface="文鼎粗鋼筆行楷" pitchFamily="49" charset="-120"/>
-                <a:ea typeface="文鼎粗鋼筆行楷" pitchFamily="49" charset="-120"/>
-                <a:cs typeface="文鼎粗鋼筆行楷" pitchFamily="49" charset="-120"/>
-              </a:rPr>
-              <a:t>=“joshhu/buildtest:v1</a:t>
-            </a:r>
-            <a:r>
-              <a:rPr lang="en-US" altLang="zh-TW" dirty="0" smtClean="0">
-                <a:latin typeface="文鼎粗鋼筆行楷" pitchFamily="49" charset="-120"/>
-                <a:ea typeface="文鼎粗鋼筆行楷" pitchFamily="49" charset="-120"/>
-                <a:cs typeface="文鼎粗鋼筆行楷" pitchFamily="49" charset="-120"/>
-              </a:rPr>
-              <a:t>" </a:t>
+              <a:t> build -t=“joshhu/buildtest:v1" </a:t>
             </a:r>
             <a:r>
               <a:rPr lang="en-US" altLang="zh-TW" b="1" dirty="0" smtClean="0">
@@ -3946,18 +3922,7 @@
                 <a:ea typeface="文鼎粗鋼筆行楷" pitchFamily="49" charset="-120"/>
                 <a:cs typeface="文鼎粗鋼筆行楷" pitchFamily="49" charset="-120"/>
               </a:rPr>
-              <a:t> </a:t>
-            </a:r>
-            <a:r>
-              <a:rPr lang="en-US" altLang="zh-TW" b="1" dirty="0" smtClean="0">
-                <a:solidFill>
-                  <a:srgbClr val="FF0000"/>
-                </a:solidFill>
-                <a:latin typeface="文鼎粗鋼筆行楷" pitchFamily="49" charset="-120"/>
-                <a:ea typeface="文鼎粗鋼筆行楷" pitchFamily="49" charset="-120"/>
-                <a:cs typeface="文鼎粗鋼筆行楷" pitchFamily="49" charset="-120"/>
-              </a:rPr>
-              <a:t>14</a:t>
+              <a:t> 14</a:t>
             </a:r>
             <a:r>
               <a:rPr lang="zh-TW" altLang="en-US" dirty="0" smtClean="0">
@@ -3965,15 +3930,7 @@
                 <a:ea typeface="文鼎粗鋼筆行楷" pitchFamily="49" charset="-120"/>
                 <a:cs typeface="文鼎粗鋼筆行楷" pitchFamily="49" charset="-120"/>
               </a:rPr>
-              <a:t>預設</a:t>
-            </a:r>
-            <a:r>
-              <a:rPr lang="zh-TW" altLang="en-US" dirty="0" smtClean="0">
-                <a:latin typeface="文鼎粗鋼筆行楷" pitchFamily="49" charset="-120"/>
-                <a:ea typeface="文鼎粗鋼筆行楷" pitchFamily="49" charset="-120"/>
-                <a:cs typeface="文鼎粗鋼筆行楷" pitchFamily="49" charset="-120"/>
-              </a:rPr>
-              <a:t>是</a:t>
+              <a:t>預設是</a:t>
             </a:r>
             <a:r>
               <a:rPr lang="en-US" altLang="zh-TW" b="1" dirty="0" smtClean="0">
@@ -5538,15 +5495,13 @@
                 <a:ea typeface="文鼎粗鋼筆行楷" pitchFamily="49" charset="-120"/>
                 <a:cs typeface="文鼎粗鋼筆行楷" pitchFamily="49" charset="-120"/>
               </a:rPr>
-              <a:t># Author: </a:t>
-            </a:r>
-            <a:r>
-              <a:rPr lang="en-US" altLang="zh-TW" sz="1800" dirty="0" smtClean="0">
-                <a:ea typeface="文鼎粗鋼筆行楷" pitchFamily="49" charset="-120"/>
-                <a:cs typeface="文鼎粗鋼筆行楷" pitchFamily="49" charset="-120"/>
-              </a:rPr>
-              <a:t>joshhu</a:t>
-            </a:r>
+              <a:t># Author: joshhu</a:t>
+            </a:r>
+          </a:p>
+          <a:p>
+            <a:pPr>
+              <a:buNone/>
+            </a:pPr>
             <a:endParaRPr lang="en-US" altLang="zh-TW" sz="1800" dirty="0" smtClean="0">
               <a:ea typeface="文鼎粗鋼筆行楷" pitchFamily="49" charset="-120"/>
               <a:cs typeface="文鼎粗鋼筆行楷" pitchFamily="49" charset="-120"/>
@@ -5556,6 +5511,20 @@
             <a:pPr>
               <a:buNone/>
             </a:pPr>
+            <a:r>
+              <a:rPr lang="en-US" altLang="zh-TW" sz="1800" dirty="0" smtClean="0">
+                <a:ea typeface="文鼎粗鋼筆行楷" pitchFamily="49" charset="-120"/>
+                <a:cs typeface="文鼎粗鋼筆行楷" pitchFamily="49" charset="-120"/>
+              </a:rPr>
+              <a:t>#</a:t>
+            </a:r>
+            <a:r>
+              <a:rPr lang="zh-TW" altLang="en-US" sz="1800" dirty="0" smtClean="0">
+                <a:ea typeface="文鼎粗鋼筆行楷" pitchFamily="49" charset="-120"/>
+                <a:cs typeface="文鼎粗鋼筆行楷" pitchFamily="49" charset="-120"/>
+              </a:rPr>
+              <a:t>維護者</a:t>
+            </a:r>
             <a:endParaRPr lang="en-US" altLang="zh-TW" sz="1800" dirty="0" smtClean="0">
               <a:ea typeface="文鼎粗鋼筆行楷" pitchFamily="49" charset="-120"/>
               <a:cs typeface="文鼎粗鋼筆行楷" pitchFamily="49" charset="-120"/>
@@ -5570,44 +5539,7 @@
                 <a:ea typeface="文鼎粗鋼筆行楷" pitchFamily="49" charset="-120"/>
                 <a:cs typeface="文鼎粗鋼筆行楷" pitchFamily="49" charset="-120"/>
               </a:rPr>
-              <a:t>#</a:t>
-            </a:r>
-            <a:r>
-              <a:rPr lang="zh-TW" altLang="en-US" sz="1800" dirty="0" smtClean="0">
-                <a:ea typeface="文鼎粗鋼筆行楷" pitchFamily="49" charset="-120"/>
-                <a:cs typeface="文鼎粗鋼筆行楷" pitchFamily="49" charset="-120"/>
-              </a:rPr>
-              <a:t>維護者</a:t>
-            </a:r>
-            <a:endParaRPr lang="en-US" altLang="zh-TW" sz="1800" dirty="0" smtClean="0">
-              <a:ea typeface="文鼎粗鋼筆行楷" pitchFamily="49" charset="-120"/>
-              <a:cs typeface="文鼎粗鋼筆行楷" pitchFamily="49" charset="-120"/>
-            </a:endParaRPr>
-          </a:p>
-          <a:p>
-            <a:pPr>
-              <a:buNone/>
-            </a:pPr>
-            <a:r>
-              <a:rPr lang="en-US" altLang="zh-TW" sz="1800" dirty="0" smtClean="0">
-                <a:ea typeface="文鼎粗鋼筆行楷" pitchFamily="49" charset="-120"/>
-                <a:cs typeface="文鼎粗鋼筆行楷" pitchFamily="49" charset="-120"/>
-              </a:rPr>
-              <a:t>MAINTAINER </a:t>
-            </a:r>
-            <a:r>
-              <a:rPr lang="en-US" altLang="zh-TW" sz="1800" dirty="0" smtClean="0">
-                <a:ea typeface="文鼎粗鋼筆行楷" pitchFamily="49" charset="-120"/>
-                <a:cs typeface="文鼎粗鋼筆行楷" pitchFamily="49" charset="-120"/>
-              </a:rPr>
-              <a:t>joshhu </a:t>
-            </a:r>
-            <a:r>
-              <a:rPr lang="en-US" altLang="zh-TW" sz="1800" dirty="0" smtClean="0">
-                <a:ea typeface="文鼎粗鋼筆行楷" pitchFamily="49" charset="-120"/>
-                <a:cs typeface="文鼎粗鋼筆行楷" pitchFamily="49" charset="-120"/>
-              </a:rPr>
-              <a:t>&lt;josh.hu@hotmail.com&gt;</a:t>
+              <a:t>MAINTAINER joshhu &lt;josh.hu@hotmail.com&gt;</a:t>
             </a:r>
           </a:p>
           <a:p>
@@ -9493,65 +9425,40 @@
                 <a:ea typeface="文鼎粗鋼筆行楷" pitchFamily="49" charset="-120"/>
                 <a:cs typeface="文鼎粗鋼筆行楷" pitchFamily="49" charset="-120"/>
               </a:rPr>
-              <a:t> commit -m "update system" -a </a:t>
+              <a:t> commit -m "update system" -a “joshhu" </a:t>
+            </a:r>
+            <a:r>
+              <a:rPr lang="en-US" altLang="zh-TW" sz="2400" dirty="0" err="1" smtClean="0">
+                <a:ea typeface="文鼎粗鋼筆行楷" pitchFamily="49" charset="-120"/>
+                <a:cs typeface="文鼎粗鋼筆行楷" pitchFamily="49" charset="-120"/>
+              </a:rPr>
+              <a:t>imagetest</a:t>
             </a:r>
             <a:r>
               <a:rPr lang="en-US" altLang="zh-TW" sz="2400" dirty="0" smtClean="0">
                 <a:ea typeface="文鼎粗鋼筆行楷" pitchFamily="49" charset="-120"/>
                 <a:cs typeface="文鼎粗鋼筆行楷" pitchFamily="49" charset="-120"/>
               </a:rPr>
-              <a:t>“joshhu" </a:t>
-            </a:r>
+              <a:t> joshhu/imagetest:v1</a:t>
+            </a:r>
+          </a:p>
+          <a:p>
+            <a:pPr marL="0" indent="0">
+              <a:buNone/>
+            </a:pPr>
             <a:r>
               <a:rPr lang="en-US" altLang="zh-TW" sz="2400" dirty="0" err="1" smtClean="0">
                 <a:ea typeface="文鼎粗鋼筆行楷" pitchFamily="49" charset="-120"/>
                 <a:cs typeface="文鼎粗鋼筆行楷" pitchFamily="49" charset="-120"/>
               </a:rPr>
-              <a:t>imagetest</a:t>
+              <a:t>docker</a:t>
             </a:r>
             <a:r>
               <a:rPr lang="en-US" altLang="zh-TW" sz="2400" dirty="0" smtClean="0">
                 <a:ea typeface="文鼎粗鋼筆行楷" pitchFamily="49" charset="-120"/>
                 <a:cs typeface="文鼎粗鋼筆行楷" pitchFamily="49" charset="-120"/>
               </a:rPr>
-              <a:t> </a:t>
-            </a:r>
-            <a:r>
-              <a:rPr lang="en-US" altLang="zh-TW" sz="2400" dirty="0" smtClean="0">
-                <a:ea typeface="文鼎粗鋼筆行楷" pitchFamily="49" charset="-120"/>
-                <a:cs typeface="文鼎粗鋼筆行楷" pitchFamily="49" charset="-120"/>
-              </a:rPr>
-              <a:t>joshhu/imagetest:v1</a:t>
-            </a:r>
-            <a:endParaRPr lang="en-US" altLang="zh-TW" sz="2400" dirty="0" smtClean="0">
-              <a:ea typeface="文鼎粗鋼筆行楷" pitchFamily="49" charset="-120"/>
-              <a:cs typeface="文鼎粗鋼筆行楷" pitchFamily="49" charset="-120"/>
-            </a:endParaRPr>
-          </a:p>
-          <a:p>
-            <a:pPr marL="0" indent="0">
-              <a:buNone/>
-            </a:pPr>
-            <a:r>
-              <a:rPr lang="en-US" altLang="zh-TW" sz="2400" dirty="0" err="1" smtClean="0">
-                <a:ea typeface="文鼎粗鋼筆行楷" pitchFamily="49" charset="-120"/>
-                <a:cs typeface="文鼎粗鋼筆行楷" pitchFamily="49" charset="-120"/>
-              </a:rPr>
-              <a:t>docker</a:t>
-            </a:r>
-            <a:r>
-              <a:rPr lang="en-US" altLang="zh-TW" sz="2400" dirty="0" smtClean="0">
-                <a:ea typeface="文鼎粗鋼筆行楷" pitchFamily="49" charset="-120"/>
-                <a:cs typeface="文鼎粗鋼筆行楷" pitchFamily="49" charset="-120"/>
-              </a:rPr>
-              <a:t> </a:t>
-            </a:r>
-            <a:r>
-              <a:rPr lang="en-US" altLang="zh-TW" sz="2400" dirty="0" smtClean="0">
-                <a:ea typeface="文鼎粗鋼筆行楷" pitchFamily="49" charset="-120"/>
-                <a:cs typeface="文鼎粗鋼筆行楷" pitchFamily="49" charset="-120"/>
-              </a:rPr>
-              <a:t>image </a:t>
+              <a:t> image </a:t>
             </a:r>
             <a:r>
               <a:rPr lang="en-US" altLang="zh-TW" sz="2400" dirty="0" err="1" smtClean="0">
@@ -10040,23 +9947,7 @@
                 <a:ea typeface="文鼎粗鋼筆行楷" pitchFamily="49" charset="-120"/>
                 <a:cs typeface="文鼎粗鋼筆行楷" pitchFamily="49" charset="-120"/>
               </a:rPr>
-              <a:t>系統會照著檔案</a:t>
-            </a:r>
-            <a:r>
-              <a:rPr lang="zh-TW" altLang="en-US" dirty="0" smtClean="0">
-                <a:latin typeface="文鼎粗鋼筆行楷" pitchFamily="49" charset="-120"/>
-                <a:ea typeface="文鼎粗鋼筆行楷" pitchFamily="49" charset="-120"/>
-                <a:cs typeface="文鼎粗鋼筆行楷" pitchFamily="49" charset="-120"/>
-              </a:rPr>
-              <a:t>中的每一個指令來</a:t>
-            </a:r>
-            <a:r>
-              <a:rPr lang="zh-TW" altLang="en-US" dirty="0" smtClean="0">
-                <a:latin typeface="文鼎粗鋼筆行楷" pitchFamily="49" charset="-120"/>
-                <a:ea typeface="文鼎粗鋼筆行楷" pitchFamily="49" charset="-120"/>
-                <a:cs typeface="文鼎粗鋼筆行楷" pitchFamily="49" charset="-120"/>
-              </a:rPr>
-              <a:t>建立不同的</a:t>
+              <a:t>系統會照著檔案中的每一個指令來建立不同的</a:t>
             </a:r>
             <a:r>
               <a:rPr lang="en-US" altLang="zh-TW" dirty="0" smtClean="0">
@@ -10497,15 +10388,7 @@
                 <a:ea typeface="文鼎粗鋼筆行楷" pitchFamily="49" charset="-120"/>
                 <a:cs typeface="文鼎粗鋼筆行楷" pitchFamily="49" charset="-120"/>
               </a:rPr>
-              <a:t>：執行</a:t>
-            </a:r>
-            <a:r>
-              <a:rPr lang="zh-TW" altLang="en-US" dirty="0" smtClean="0">
-                <a:latin typeface="文鼎粗鋼筆行楷" pitchFamily="49" charset="-120"/>
-                <a:ea typeface="文鼎粗鋼筆行楷" pitchFamily="49" charset="-120"/>
-                <a:cs typeface="文鼎粗鋼筆行楷" pitchFamily="49" charset="-120"/>
-              </a:rPr>
-              <a:t>程式</a:t>
+              <a:t>：執行程式</a:t>
             </a:r>
             <a:endParaRPr lang="en-US" altLang="zh-TW" dirty="0" smtClean="0">
               <a:latin typeface="文鼎粗鋼筆行楷" pitchFamily="49" charset="-120"/>
@@ -11100,15 +10983,7 @@
                 <a:ea typeface="文鼎粗鋼筆行楷" pitchFamily="49" charset="-120"/>
                 <a:cs typeface="文鼎粗鋼筆行楷" pitchFamily="49" charset="-120"/>
               </a:rPr>
-              <a:t>指令</a:t>
-            </a:r>
-            <a:r>
-              <a:rPr lang="zh-TW" altLang="en-US" dirty="0" smtClean="0">
-                <a:latin typeface="文鼎粗鋼筆行楷" pitchFamily="49" charset="-120"/>
-                <a:ea typeface="文鼎粗鋼筆行楷" pitchFamily="49" charset="-120"/>
-                <a:cs typeface="文鼎粗鋼筆行楷" pitchFamily="49" charset="-120"/>
-              </a:rPr>
-              <a:t>檔</a:t>
+              <a:t>指令檔</a:t>
             </a:r>
             <a:endParaRPr lang="en-US" altLang="zh-TW" dirty="0" smtClean="0">
               <a:latin typeface="文鼎粗鋼筆行楷" pitchFamily="49" charset="-120"/>
